--- a/Documenation/Презентация.pptx
+++ b/Documenation/Презентация.pptx
@@ -16,6 +16,7 @@
     <p:sldId id="263" r:id="rId11"/>
     <p:sldId id="264" r:id="rId12"/>
     <p:sldId id="265" r:id="rId13"/>
+    <p:sldId id="266" r:id="rId14"/>
   </p:sldIdLst>
   <p:sldSz cx="10080625" cy="5670550"/>
   <p:notesSz cx="7559675" cy="10691813"/>
@@ -52,7 +53,7 @@
         <p:spPr>
           <a:xfrm>
             <a:off x="504000" y="74160"/>
-            <a:ext cx="9071280" cy="1250280"/>
+            <a:ext cx="9070920" cy="1250280"/>
           </a:xfrm>
           <a:prstGeom prst="rect">
             <a:avLst/>
@@ -156,7 +157,7 @@
         <p:txBody>
           <a:bodyPr/>
           <a:p>
-            <a:fld id="{3D6517BD-5FC3-4E12-9D57-920FC18AD083}" type="slidenum">
+            <a:fld id="{86963A73-9CB6-4FCD-B27D-7D471DEBCFDE}" type="slidenum">
               <a:t>&lt;#&gt;</a:t>
             </a:fld>
           </a:p>
@@ -189,6 +190,172 @@
 </file>
 
 <file path=ppt/slideLayouts/slideLayout2.xml><?xml version="1.0" encoding="utf-8"?>
+<p:sldLayout xmlns:a="http://schemas.openxmlformats.org/drawingml/2006/main" xmlns:p="http://schemas.openxmlformats.org/presentationml/2006/main" xmlns:r="http://schemas.openxmlformats.org/officeDocument/2006/relationships" xmlns:p14="http://schemas.microsoft.com/office/powerpoint/2010/main" xmlns:p15="http://schemas.microsoft.com/office/powerpoint/2012/main" xmlns:mc="http://schemas.openxmlformats.org/markup-compatibility/2006" type="tx" preserve="1">
+  <p:cSld name="Обычный 1">
+    <p:spTree>
+      <p:nvGrpSpPr>
+        <p:cNvPr id="1" name=""/>
+        <p:cNvGrpSpPr/>
+        <p:nvPr/>
+      </p:nvGrpSpPr>
+      <p:grpSpPr>
+        <a:xfrm>
+          <a:off x="0" y="0"/>
+          <a:ext cx="0" cy="0"/>
+          <a:chOff x="0" y="0"/>
+          <a:chExt cx="0" cy="0"/>
+        </a:xfrm>
+      </p:grpSpPr>
+      <p:sp>
+        <p:nvSpPr>
+          <p:cNvPr id="12" name="PlaceHolder 1"/>
+          <p:cNvSpPr>
+            <a:spLocks noGrp="1"/>
+          </p:cNvSpPr>
+          <p:nvPr>
+            <p:ph type="title"/>
+          </p:nvPr>
+        </p:nvSpPr>
+        <p:spPr>
+          <a:xfrm>
+            <a:off x="504000" y="74160"/>
+            <a:ext cx="9070920" cy="1250280"/>
+          </a:xfrm>
+          <a:prstGeom prst="rect">
+            <a:avLst/>
+          </a:prstGeom>
+          <a:noFill/>
+          <a:ln w="0">
+            <a:noFill/>
+          </a:ln>
+        </p:spPr>
+        <p:txBody>
+          <a:bodyPr lIns="0" rIns="0" tIns="0" bIns="0" anchor="ctr">
+            <a:noAutofit/>
+          </a:bodyPr>
+          <a:p>
+            <a:pPr indent="0" algn="ctr">
+              <a:buNone/>
+            </a:pPr>
+            <a:endParaRPr b="0" lang="ru-RU" sz="4400" spc="-1" strike="noStrike">
+              <a:solidFill>
+                <a:srgbClr val="000000"/>
+              </a:solidFill>
+              <a:latin typeface="Arial"/>
+            </a:endParaRPr>
+          </a:p>
+        </p:txBody>
+      </p:sp>
+      <p:sp>
+        <p:nvSpPr>
+          <p:cNvPr id="13" name="PlaceHolder 2"/>
+          <p:cNvSpPr>
+            <a:spLocks noGrp="1"/>
+          </p:cNvSpPr>
+          <p:nvPr>
+            <p:ph/>
+          </p:nvPr>
+        </p:nvSpPr>
+        <p:spPr>
+          <a:xfrm>
+            <a:off x="504000" y="1326600"/>
+            <a:ext cx="9072000" cy="3288600"/>
+          </a:xfrm>
+          <a:prstGeom prst="rect">
+            <a:avLst/>
+          </a:prstGeom>
+          <a:noFill/>
+          <a:ln w="0">
+            <a:noFill/>
+          </a:ln>
+        </p:spPr>
+        <p:txBody>
+          <a:bodyPr lIns="0" rIns="0" tIns="0" bIns="0" anchor="t">
+            <a:normAutofit/>
+          </a:bodyPr>
+          <a:p>
+            <a:pPr indent="0">
+              <a:spcBef>
+                <a:spcPts val="1417"/>
+              </a:spcBef>
+              <a:buNone/>
+            </a:pPr>
+            <a:endParaRPr b="0" lang="ru-RU" sz="3200" spc="-1" strike="noStrike">
+              <a:solidFill>
+                <a:srgbClr val="000000"/>
+              </a:solidFill>
+              <a:latin typeface="Arial"/>
+            </a:endParaRPr>
+          </a:p>
+        </p:txBody>
+      </p:sp>
+      <p:sp>
+        <p:nvSpPr>
+          <p:cNvPr id="4" name="PlaceHolder 3"/>
+          <p:cNvSpPr>
+            <a:spLocks noGrp="1"/>
+          </p:cNvSpPr>
+          <p:nvPr>
+            <p:ph type="ftr" idx="4"/>
+          </p:nvPr>
+        </p:nvSpPr>
+        <p:spPr/>
+        <p:txBody>
+          <a:bodyPr/>
+          <a:p>
+            <a:r>
+              <a:t>Footer</a:t>
+            </a:r>
+          </a:p>
+        </p:txBody>
+      </p:sp>
+      <p:sp>
+        <p:nvSpPr>
+          <p:cNvPr id="5" name="PlaceHolder 4"/>
+          <p:cNvSpPr>
+            <a:spLocks noGrp="1"/>
+          </p:cNvSpPr>
+          <p:nvPr>
+            <p:ph type="sldNum" idx="5"/>
+          </p:nvPr>
+        </p:nvSpPr>
+        <p:spPr/>
+        <p:txBody>
+          <a:bodyPr/>
+          <a:p>
+            <a:fld id="{49AEA314-6EBB-43BD-8ED4-E187811BF771}" type="slidenum">
+              <a:t>&lt;#&gt;</a:t>
+            </a:fld>
+          </a:p>
+        </p:txBody>
+      </p:sp>
+      <p:sp>
+        <p:nvSpPr>
+          <p:cNvPr id="6" name="PlaceHolder 5"/>
+          <p:cNvSpPr>
+            <a:spLocks noGrp="1"/>
+          </p:cNvSpPr>
+          <p:nvPr>
+            <p:ph type="dt" idx="6"/>
+          </p:nvPr>
+        </p:nvSpPr>
+        <p:spPr/>
+        <p:txBody>
+          <a:bodyPr/>
+          <a:p>
+            <a:r>
+              <a:rPr lang="ru-RU"/>
+              <a:t/>
+            </a:r>
+          </a:p>
+        </p:txBody>
+      </p:sp>
+    </p:spTree>
+  </p:cSld>
+</p:sldLayout>
+</file>
+
+<file path=ppt/slideLayouts/slideLayout3.xml><?xml version="1.0" encoding="utf-8"?>
 <p:sldLayout xmlns:a="http://schemas.openxmlformats.org/drawingml/2006/main" xmlns:p="http://schemas.openxmlformats.org/presentationml/2006/main" xmlns:r="http://schemas.openxmlformats.org/officeDocument/2006/relationships" xmlns:p14="http://schemas.microsoft.com/office/powerpoint/2010/main" xmlns:p15="http://schemas.microsoft.com/office/powerpoint/2012/main" xmlns:mc="http://schemas.openxmlformats.org/markup-compatibility/2006" type="title" preserve="1">
   <p:cSld name="Обычный 1">
     <p:spTree>
@@ -207,7 +374,7 @@
       </p:grpSpPr>
       <p:sp>
         <p:nvSpPr>
-          <p:cNvPr id="12" name="PlaceHolder 1"/>
+          <p:cNvPr id="14" name="PlaceHolder 1"/>
           <p:cNvSpPr>
             <a:spLocks noGrp="1"/>
           </p:cNvSpPr>
@@ -218,7 +385,7 @@
         <p:spPr>
           <a:xfrm>
             <a:off x="504000" y="74160"/>
-            <a:ext cx="9071280" cy="1250280"/>
+            <a:ext cx="9070920" cy="1250280"/>
           </a:xfrm>
           <a:prstGeom prst="rect">
             <a:avLst/>
@@ -247,7 +414,7 @@
       </p:sp>
       <p:sp>
         <p:nvSpPr>
-          <p:cNvPr id="13" name="PlaceHolder 2"/>
+          <p:cNvPr id="15" name="PlaceHolder 2"/>
           <p:cNvSpPr>
             <a:spLocks noGrp="1"/>
           </p:cNvSpPr>
@@ -319,7 +486,7 @@
         <p:txBody>
           <a:bodyPr/>
           <a:p>
-            <a:fld id="{F7352F49-C7AF-40A6-850E-D69A87FA9910}" type="slidenum">
+            <a:fld id="{4F389C89-69CC-4B92-AE5E-F4E796B77B86}" type="slidenum">
               <a:t>&lt;#&gt;</a:t>
             </a:fld>
           </a:p>
@@ -381,7 +548,7 @@
         <p:spPr>
           <a:xfrm>
             <a:off x="504000" y="74160"/>
-            <a:ext cx="9071280" cy="1249920"/>
+            <a:ext cx="9070920" cy="1249920"/>
           </a:xfrm>
           <a:prstGeom prst="rect">
             <a:avLst/>
@@ -430,7 +597,7 @@
         <p:spPr>
           <a:xfrm>
             <a:off x="504000" y="1326600"/>
-            <a:ext cx="9071280" cy="3287880"/>
+            <a:ext cx="9071640" cy="3288240"/>
           </a:xfrm>
           <a:prstGeom prst="rect">
             <a:avLst/>
@@ -655,7 +822,7 @@
         <p:spPr>
           <a:xfrm>
             <a:off x="3447360" y="5165280"/>
-            <a:ext cx="3194640" cy="390240"/>
+            <a:ext cx="3194280" cy="389880"/>
           </a:xfrm>
           <a:prstGeom prst="rect">
             <a:avLst/>
@@ -727,7 +894,7 @@
         <p:spPr>
           <a:xfrm>
             <a:off x="7227360" y="5165280"/>
-            <a:ext cx="2347920" cy="390240"/>
+            <a:ext cx="2347560" cy="389880"/>
           </a:xfrm>
           <a:prstGeom prst="rect">
             <a:avLst/>
@@ -741,10 +908,36 @@
           <a:bodyPr lIns="0" rIns="0" tIns="0" bIns="0" anchor="t">
             <a:noAutofit/>
           </a:bodyPr>
+          <a:lstStyle>
+            <a:lvl1pPr indent="0">
+              <a:lnSpc>
+                <a:spcPct val="100000"/>
+              </a:lnSpc>
+              <a:buNone/>
+              <a:defRPr b="0" lang="ru-RU" sz="1400" spc="-1" strike="noStrike">
+                <a:solidFill>
+                  <a:srgbClr val="000000"/>
+                </a:solidFill>
+                <a:latin typeface="Times New Roman"/>
+              </a:defRPr>
+            </a:lvl1pPr>
+          </a:lstStyle>
           <a:p>
             <a:pPr indent="0">
+              <a:lnSpc>
+                <a:spcPct val="100000"/>
+              </a:lnSpc>
               <a:buNone/>
             </a:pPr>
+            <a:fld id="{7D5CA23C-1BD5-48E8-AE08-AD5988A32E8A}" type="slidenum">
+              <a:rPr b="0" lang="ru-RU" sz="1400" spc="-1" strike="noStrike">
+                <a:solidFill>
+                  <a:srgbClr val="000000"/>
+                </a:solidFill>
+                <a:latin typeface="Times New Roman"/>
+              </a:rPr>
+              <a:t>&lt;номер&gt;</a:t>
+            </a:fld>
             <a:endParaRPr b="0" lang="ru-RU" sz="1400" spc="-1" strike="noStrike">
               <a:solidFill>
                 <a:srgbClr val="000000"/>
@@ -767,7 +960,7 @@
         <p:spPr>
           <a:xfrm>
             <a:off x="504000" y="5165280"/>
-            <a:ext cx="2347920" cy="390240"/>
+            <a:ext cx="2347560" cy="389880"/>
           </a:xfrm>
           <a:prstGeom prst="rect">
             <a:avLst/>
@@ -853,7 +1046,7 @@
         <p:spPr>
           <a:xfrm>
             <a:off x="504000" y="74160"/>
-            <a:ext cx="9071280" cy="1249920"/>
+            <a:ext cx="9070920" cy="1249920"/>
           </a:xfrm>
           <a:prstGeom prst="rect">
             <a:avLst/>
@@ -902,7 +1095,7 @@
         <p:spPr>
           <a:xfrm>
             <a:off x="3447360" y="5165280"/>
-            <a:ext cx="3194640" cy="390240"/>
+            <a:ext cx="3194280" cy="389880"/>
           </a:xfrm>
           <a:prstGeom prst="rect">
             <a:avLst/>
@@ -974,7 +1167,7 @@
         <p:spPr>
           <a:xfrm>
             <a:off x="7227360" y="5165280"/>
-            <a:ext cx="2347920" cy="390240"/>
+            <a:ext cx="2347560" cy="389880"/>
           </a:xfrm>
           <a:prstGeom prst="rect">
             <a:avLst/>
@@ -988,10 +1181,36 @@
           <a:bodyPr lIns="0" rIns="0" tIns="0" bIns="0" anchor="t">
             <a:noAutofit/>
           </a:bodyPr>
+          <a:lstStyle>
+            <a:lvl1pPr indent="0">
+              <a:lnSpc>
+                <a:spcPct val="100000"/>
+              </a:lnSpc>
+              <a:buNone/>
+              <a:defRPr b="0" lang="ru-RU" sz="1400" spc="-1" strike="noStrike">
+                <a:solidFill>
+                  <a:srgbClr val="000000"/>
+                </a:solidFill>
+                <a:latin typeface="Times New Roman"/>
+              </a:defRPr>
+            </a:lvl1pPr>
+          </a:lstStyle>
           <a:p>
             <a:pPr indent="0">
+              <a:lnSpc>
+                <a:spcPct val="100000"/>
+              </a:lnSpc>
               <a:buNone/>
             </a:pPr>
+            <a:fld id="{408C6691-B2BA-464C-980B-713117C753F5}" type="slidenum">
+              <a:rPr b="0" lang="ru-RU" sz="1400" spc="-1" strike="noStrike">
+                <a:solidFill>
+                  <a:srgbClr val="000000"/>
+                </a:solidFill>
+                <a:latin typeface="Times New Roman"/>
+              </a:rPr>
+              <a:t>&lt;номер&gt;</a:t>
+            </a:fld>
             <a:endParaRPr b="0" lang="ru-RU" sz="1400" spc="-1" strike="noStrike">
               <a:solidFill>
                 <a:srgbClr val="000000"/>
@@ -1014,7 +1233,7 @@
         <p:spPr>
           <a:xfrm>
             <a:off x="504000" y="5165280"/>
-            <a:ext cx="2347920" cy="390240"/>
+            <a:ext cx="2347560" cy="389880"/>
           </a:xfrm>
           <a:prstGeom prst="rect">
             <a:avLst/>
@@ -1291,6 +1510,7 @@
   <p:clrMap bg1="lt1" bg2="lt2" tx1="dk1" tx2="dk2" accent1="accent1" accent2="accent2" accent3="accent3" accent4="accent4" accent5="accent5" accent6="accent6" hlink="hlink" folHlink="folHlink"/>
   <p:sldLayoutIdLst>
     <p:sldLayoutId id="2147483651" r:id="rId2"/>
+    <p:sldLayoutId id="2147483652" r:id="rId3"/>
   </p:sldLayoutIdLst>
 </p:sldMaster>
 </file>
@@ -1314,7 +1534,7 @@
       </p:grpSpPr>
       <p:sp>
         <p:nvSpPr>
-          <p:cNvPr id="14" name="PlaceHolder 1"/>
+          <p:cNvPr id="16" name="PlaceHolder 1"/>
           <p:cNvSpPr>
             <a:spLocks noGrp="1"/>
           </p:cNvSpPr>
@@ -1325,7 +1545,7 @@
         <p:spPr>
           <a:xfrm>
             <a:off x="504000" y="1326600"/>
-            <a:ext cx="9071280" cy="3287880"/>
+            <a:ext cx="9070920" cy="3287520"/>
           </a:xfrm>
           <a:prstGeom prst="rect">
             <a:avLst/>
@@ -1356,6 +1576,31 @@
                 <a:latin typeface="Arial"/>
               </a:rPr>
               <a:t>LOREM IPSUM</a:t>
+            </a:r>
+            <a:endParaRPr b="0" lang="ru-RU" sz="3200" spc="-1" strike="noStrike">
+              <a:solidFill>
+                <a:srgbClr val="000000"/>
+              </a:solidFill>
+              <a:latin typeface="Arial"/>
+            </a:endParaRPr>
+          </a:p>
+          <a:p>
+            <a:pPr algn="ctr">
+              <a:lnSpc>
+                <a:spcPct val="100000"/>
+              </a:lnSpc>
+              <a:tabLst>
+                <a:tab algn="l" pos="0"/>
+              </a:tabLst>
+            </a:pPr>
+            <a:r>
+              <a:rPr b="0" lang="ru-RU" sz="3200" spc="-1" strike="noStrike">
+                <a:solidFill>
+                  <a:srgbClr val="000000"/>
+                </a:solidFill>
+                <a:latin typeface="Arial"/>
+              </a:rPr>
+              <a:t>Медведев Максим Юрьевич</a:t>
             </a:r>
             <a:endParaRPr b="0" lang="ru-RU" sz="3200" spc="-1" strike="noStrike">
               <a:solidFill>
@@ -1398,7 +1643,7 @@
       </p:grpSpPr>
       <p:pic>
         <p:nvPicPr>
-          <p:cNvPr id="23" name="" descr=""/>
+          <p:cNvPr id="25" name="" descr=""/>
           <p:cNvPicPr/>
           <p:nvPr/>
         </p:nvPicPr>
@@ -1409,7 +1654,7 @@
         <p:spPr>
           <a:xfrm>
             <a:off x="753480" y="-17280"/>
-            <a:ext cx="7960320" cy="5704560"/>
+            <a:ext cx="7959960" cy="5704200"/>
           </a:xfrm>
           <a:prstGeom prst="rect">
             <a:avLst/>
@@ -1419,6 +1664,198 @@
           </a:ln>
         </p:spPr>
       </p:pic>
+    </p:spTree>
+  </p:cSld>
+  <mc:AlternateContent>
+    <mc:Choice Requires="p14">
+      <p:transition spd="slow" p14:dur="2000"/>
+    </mc:Choice>
+    <mc:Fallback>
+      <p:transition spd="slow"/>
+    </mc:Fallback>
+  </mc:AlternateContent>
+</p:sld>
+</file>
+
+<file path=ppt/slides/slide11.xml><?xml version="1.0" encoding="utf-8"?>
+<p:sld xmlns:a="http://schemas.openxmlformats.org/drawingml/2006/main" xmlns:p="http://schemas.openxmlformats.org/presentationml/2006/main" xmlns:r="http://schemas.openxmlformats.org/officeDocument/2006/relationships" xmlns:p14="http://schemas.microsoft.com/office/powerpoint/2010/main" xmlns:p15="http://schemas.microsoft.com/office/powerpoint/2012/main" xmlns:mc="http://schemas.openxmlformats.org/markup-compatibility/2006">
+  <p:cSld>
+    <p:spTree>
+      <p:nvGrpSpPr>
+        <p:cNvPr id="1" name=""/>
+        <p:cNvGrpSpPr/>
+        <p:nvPr/>
+      </p:nvGrpSpPr>
+      <p:grpSpPr>
+        <a:xfrm>
+          <a:off x="0" y="0"/>
+          <a:ext cx="0" cy="0"/>
+          <a:chOff x="0" y="0"/>
+          <a:chExt cx="0" cy="0"/>
+        </a:xfrm>
+      </p:grpSpPr>
+      <p:sp>
+        <p:nvSpPr>
+          <p:cNvPr id="26" name="PlaceHolder 1"/>
+          <p:cNvSpPr>
+            <a:spLocks noGrp="1"/>
+          </p:cNvSpPr>
+          <p:nvPr>
+            <p:ph type="title"/>
+          </p:nvPr>
+        </p:nvSpPr>
+        <p:spPr>
+          <a:xfrm>
+            <a:off x="504000" y="74160"/>
+            <a:ext cx="9070920" cy="1249920"/>
+          </a:xfrm>
+          <a:prstGeom prst="rect">
+            <a:avLst/>
+          </a:prstGeom>
+          <a:noFill/>
+          <a:ln w="0">
+            <a:noFill/>
+          </a:ln>
+        </p:spPr>
+        <p:txBody>
+          <a:bodyPr lIns="0" rIns="0" tIns="0" bIns="0" anchor="ctr">
+            <a:noAutofit/>
+          </a:bodyPr>
+          <a:p>
+            <a:pPr indent="0" algn="ctr">
+              <a:buNone/>
+            </a:pPr>
+            <a:r>
+              <a:rPr b="0" lang="ru-RU" sz="4400" spc="-1" strike="noStrike">
+                <a:solidFill>
+                  <a:srgbClr val="000000"/>
+                </a:solidFill>
+                <a:latin typeface="Arial"/>
+              </a:rPr>
+              <a:t>Заключение и перспективы</a:t>
+            </a:r>
+            <a:endParaRPr b="0" lang="ru-RU" sz="4400" spc="-1" strike="noStrike">
+              <a:solidFill>
+                <a:srgbClr val="000000"/>
+              </a:solidFill>
+              <a:latin typeface="Arial"/>
+            </a:endParaRPr>
+          </a:p>
+        </p:txBody>
+      </p:sp>
+      <p:sp>
+        <p:nvSpPr>
+          <p:cNvPr id="27" name="PlaceHolder 2"/>
+          <p:cNvSpPr>
+            <a:spLocks noGrp="1"/>
+          </p:cNvSpPr>
+          <p:nvPr>
+            <p:ph/>
+          </p:nvPr>
+        </p:nvSpPr>
+        <p:spPr>
+          <a:xfrm>
+            <a:off x="504000" y="1326600"/>
+            <a:ext cx="9072000" cy="3288600"/>
+          </a:xfrm>
+          <a:prstGeom prst="rect">
+            <a:avLst/>
+          </a:prstGeom>
+          <a:noFill/>
+          <a:ln w="0">
+            <a:noFill/>
+          </a:ln>
+        </p:spPr>
+        <p:txBody>
+          <a:bodyPr lIns="0" rIns="0" tIns="0" bIns="0" anchor="t">
+            <a:normAutofit/>
+          </a:bodyPr>
+          <a:p>
+            <a:pPr marL="432000" indent="-324000">
+              <a:spcBef>
+                <a:spcPts val="1417"/>
+              </a:spcBef>
+              <a:buClr>
+                <a:srgbClr val="000000"/>
+              </a:buClr>
+              <a:buSzPct val="45000"/>
+              <a:buFont typeface="Wingdings" charset="2"/>
+              <a:buChar char=""/>
+            </a:pPr>
+            <a:r>
+              <a:rPr b="0" lang="ru-RU" sz="3200" spc="-1" strike="noStrike">
+                <a:solidFill>
+                  <a:srgbClr val="000000"/>
+                </a:solidFill>
+                <a:latin typeface="Arial"/>
+              </a:rPr>
+              <a:t>Переделать админку</a:t>
+            </a:r>
+            <a:endParaRPr b="0" lang="ru-RU" sz="3200" spc="-1" strike="noStrike">
+              <a:solidFill>
+                <a:srgbClr val="000000"/>
+              </a:solidFill>
+              <a:latin typeface="Arial"/>
+            </a:endParaRPr>
+          </a:p>
+          <a:p>
+            <a:pPr marL="432000" indent="-324000">
+              <a:spcBef>
+                <a:spcPts val="1417"/>
+              </a:spcBef>
+              <a:buClr>
+                <a:srgbClr val="000000"/>
+              </a:buClr>
+              <a:buSzPct val="45000"/>
+              <a:buFont typeface="Wingdings" charset="2"/>
+              <a:buChar char=""/>
+            </a:pPr>
+            <a:r>
+              <a:rPr b="0" lang="ru-RU" sz="3200" spc="-1" strike="noStrike">
+                <a:solidFill>
+                  <a:srgbClr val="000000"/>
+                </a:solidFill>
+                <a:latin typeface="Arial"/>
+              </a:rPr>
+              <a:t>Оптимизировать описание команды</a:t>
+            </a:r>
+            <a:endParaRPr b="0" lang="ru-RU" sz="3200" spc="-1" strike="noStrike">
+              <a:solidFill>
+                <a:srgbClr val="000000"/>
+              </a:solidFill>
+              <a:latin typeface="Arial"/>
+            </a:endParaRPr>
+          </a:p>
+          <a:p>
+            <a:pPr marL="432000" indent="-324000">
+              <a:spcBef>
+                <a:spcPts val="1417"/>
+              </a:spcBef>
+              <a:buClr>
+                <a:srgbClr val="000000"/>
+              </a:buClr>
+              <a:buSzPct val="45000"/>
+              <a:buFont typeface="Wingdings" charset="2"/>
+              <a:buChar char=""/>
+            </a:pPr>
+            <a:r>
+              <a:rPr b="0" lang="ru-RU" sz="3200" spc="-1" strike="noStrike">
+                <a:solidFill>
+                  <a:srgbClr val="000000"/>
+                </a:solidFill>
+                <a:latin typeface="Arial"/>
+              </a:rPr>
+              <a:t>README</a:t>
+            </a:r>
+            <a:endParaRPr b="0" lang="ru-RU" sz="3200" spc="-1" strike="noStrike">
+              <a:solidFill>
+                <a:srgbClr val="000000"/>
+              </a:solidFill>
+              <a:latin typeface="Arial"/>
+            </a:endParaRPr>
+          </a:p>
+        </p:txBody>
+      </p:sp>
     </p:spTree>
   </p:cSld>
   <mc:AlternateContent>
@@ -1451,7 +1888,7 @@
       </p:grpSpPr>
       <p:sp>
         <p:nvSpPr>
-          <p:cNvPr id="15" name="PlaceHolder 1"/>
+          <p:cNvPr id="17" name="PlaceHolder 1"/>
           <p:cNvSpPr>
             <a:spLocks noGrp="1"/>
           </p:cNvSpPr>
@@ -1462,7 +1899,7 @@
         <p:spPr>
           <a:xfrm>
             <a:off x="504000" y="1326600"/>
-            <a:ext cx="9071280" cy="3287880"/>
+            <a:ext cx="9070920" cy="3287520"/>
           </a:xfrm>
           <a:prstGeom prst="rect">
             <a:avLst/>
@@ -1582,7 +2019,7 @@
       </p:grpSpPr>
       <p:pic>
         <p:nvPicPr>
-          <p:cNvPr id="16" name="" descr=""/>
+          <p:cNvPr id="18" name="" descr=""/>
           <p:cNvPicPr/>
           <p:nvPr/>
         </p:nvPicPr>
@@ -1593,7 +2030,7 @@
         <p:spPr>
           <a:xfrm>
             <a:off x="653760" y="1888200"/>
-            <a:ext cx="8989560" cy="1989720"/>
+            <a:ext cx="8989200" cy="1989360"/>
           </a:xfrm>
           <a:prstGeom prst="rect">
             <a:avLst/>
@@ -1635,7 +2072,7 @@
       </p:grpSpPr>
       <p:pic>
         <p:nvPicPr>
-          <p:cNvPr id="17" name="" descr=""/>
+          <p:cNvPr id="19" name="" descr=""/>
           <p:cNvPicPr/>
           <p:nvPr/>
         </p:nvPicPr>
@@ -1646,7 +2083,7 @@
         <p:spPr>
           <a:xfrm>
             <a:off x="701280" y="778680"/>
-            <a:ext cx="8894160" cy="4208760"/>
+            <a:ext cx="8893800" cy="4208400"/>
           </a:xfrm>
           <a:prstGeom prst="rect">
             <a:avLst/>
@@ -1688,7 +2125,7 @@
       </p:grpSpPr>
       <p:pic>
         <p:nvPicPr>
-          <p:cNvPr id="18" name="" descr=""/>
+          <p:cNvPr id="20" name="" descr=""/>
           <p:cNvPicPr/>
           <p:nvPr/>
         </p:nvPicPr>
@@ -1699,7 +2136,7 @@
         <p:spPr>
           <a:xfrm>
             <a:off x="1800000" y="74160"/>
-            <a:ext cx="6805800" cy="5357520"/>
+            <a:ext cx="6805440" cy="5357160"/>
           </a:xfrm>
           <a:prstGeom prst="rect">
             <a:avLst/>
@@ -1741,7 +2178,7 @@
       </p:grpSpPr>
       <p:pic>
         <p:nvPicPr>
-          <p:cNvPr id="19" name="" descr=""/>
+          <p:cNvPr id="21" name="" descr=""/>
           <p:cNvPicPr/>
           <p:nvPr/>
         </p:nvPicPr>
@@ -1752,7 +2189,7 @@
         <p:spPr>
           <a:xfrm>
             <a:off x="653760" y="1707120"/>
-            <a:ext cx="8989560" cy="2351520"/>
+            <a:ext cx="8989200" cy="2351160"/>
           </a:xfrm>
           <a:prstGeom prst="rect">
             <a:avLst/>
@@ -1794,7 +2231,7 @@
       </p:grpSpPr>
       <p:pic>
         <p:nvPicPr>
-          <p:cNvPr id="20" name="" descr=""/>
+          <p:cNvPr id="22" name="" descr=""/>
           <p:cNvPicPr/>
           <p:nvPr/>
         </p:nvPicPr>
@@ -1805,7 +2242,7 @@
         <p:spPr>
           <a:xfrm>
             <a:off x="653760" y="1707120"/>
-            <a:ext cx="8989560" cy="2351520"/>
+            <a:ext cx="8989200" cy="2351160"/>
           </a:xfrm>
           <a:prstGeom prst="rect">
             <a:avLst/>
@@ -1847,7 +2284,7 @@
       </p:grpSpPr>
       <p:pic>
         <p:nvPicPr>
-          <p:cNvPr id="21" name="" descr=""/>
+          <p:cNvPr id="23" name="" descr=""/>
           <p:cNvPicPr/>
           <p:nvPr/>
         </p:nvPicPr>
@@ -1858,7 +2295,7 @@
         <p:spPr>
           <a:xfrm>
             <a:off x="900000" y="360000"/>
-            <a:ext cx="8099640" cy="5039640"/>
+            <a:ext cx="8099280" cy="5039280"/>
           </a:xfrm>
           <a:prstGeom prst="rect">
             <a:avLst/>
@@ -1900,7 +2337,7 @@
       </p:grpSpPr>
       <p:pic>
         <p:nvPicPr>
-          <p:cNvPr id="22" name="" descr=""/>
+          <p:cNvPr id="24" name="" descr=""/>
           <p:cNvPicPr/>
           <p:nvPr/>
         </p:nvPicPr>
@@ -1911,7 +2348,7 @@
         <p:spPr>
           <a:xfrm>
             <a:off x="504000" y="430920"/>
-            <a:ext cx="8989560" cy="4608720"/>
+            <a:ext cx="8989200" cy="4608360"/>
           </a:xfrm>
           <a:prstGeom prst="rect">
             <a:avLst/>
